--- a/CSharp13.pptx
+++ b/CSharp13.pptx
@@ -412,7 +412,7 @@
           <a:p>
             <a:fld id="{1B25386A-046F-4C2B-960D-805BEAFB062E}" type="datetimeFigureOut">
               <a:rPr lang="en-US" smtClean="0"/>
-              <a:t>9/11/2024</a:t>
+              <a:t>9/16/2024</a:t>
             </a:fld>
             <a:endParaRPr lang="en-US"/>
           </a:p>
@@ -610,7 +610,7 @@
           <a:p>
             <a:fld id="{1B25386A-046F-4C2B-960D-805BEAFB062E}" type="datetimeFigureOut">
               <a:rPr lang="en-US" smtClean="0"/>
-              <a:t>9/11/2024</a:t>
+              <a:t>9/16/2024</a:t>
             </a:fld>
             <a:endParaRPr lang="en-US"/>
           </a:p>
@@ -818,7 +818,7 @@
           <a:p>
             <a:fld id="{1B25386A-046F-4C2B-960D-805BEAFB062E}" type="datetimeFigureOut">
               <a:rPr lang="en-US" smtClean="0"/>
-              <a:t>9/11/2024</a:t>
+              <a:t>9/16/2024</a:t>
             </a:fld>
             <a:endParaRPr lang="en-US"/>
           </a:p>
@@ -1016,7 +1016,7 @@
           <a:p>
             <a:fld id="{1B25386A-046F-4C2B-960D-805BEAFB062E}" type="datetimeFigureOut">
               <a:rPr lang="en-US" smtClean="0"/>
-              <a:t>9/11/2024</a:t>
+              <a:t>9/16/2024</a:t>
             </a:fld>
             <a:endParaRPr lang="en-US"/>
           </a:p>
@@ -1291,7 +1291,7 @@
           <a:p>
             <a:fld id="{1B25386A-046F-4C2B-960D-805BEAFB062E}" type="datetimeFigureOut">
               <a:rPr lang="en-US" smtClean="0"/>
-              <a:t>9/11/2024</a:t>
+              <a:t>9/16/2024</a:t>
             </a:fld>
             <a:endParaRPr lang="en-US"/>
           </a:p>
@@ -1556,7 +1556,7 @@
           <a:p>
             <a:fld id="{1B25386A-046F-4C2B-960D-805BEAFB062E}" type="datetimeFigureOut">
               <a:rPr lang="en-US" smtClean="0"/>
-              <a:t>9/11/2024</a:t>
+              <a:t>9/16/2024</a:t>
             </a:fld>
             <a:endParaRPr lang="en-US"/>
           </a:p>
@@ -1968,7 +1968,7 @@
           <a:p>
             <a:fld id="{1B25386A-046F-4C2B-960D-805BEAFB062E}" type="datetimeFigureOut">
               <a:rPr lang="en-US" smtClean="0"/>
-              <a:t>9/11/2024</a:t>
+              <a:t>9/16/2024</a:t>
             </a:fld>
             <a:endParaRPr lang="en-US"/>
           </a:p>
@@ -2109,7 +2109,7 @@
           <a:p>
             <a:fld id="{1B25386A-046F-4C2B-960D-805BEAFB062E}" type="datetimeFigureOut">
               <a:rPr lang="en-US" smtClean="0"/>
-              <a:t>9/11/2024</a:t>
+              <a:t>9/16/2024</a:t>
             </a:fld>
             <a:endParaRPr lang="en-US"/>
           </a:p>
@@ -2222,7 +2222,7 @@
           <a:p>
             <a:fld id="{1B25386A-046F-4C2B-960D-805BEAFB062E}" type="datetimeFigureOut">
               <a:rPr lang="en-US" smtClean="0"/>
-              <a:t>9/11/2024</a:t>
+              <a:t>9/16/2024</a:t>
             </a:fld>
             <a:endParaRPr lang="en-US"/>
           </a:p>
@@ -2533,7 +2533,7 @@
           <a:p>
             <a:fld id="{1B25386A-046F-4C2B-960D-805BEAFB062E}" type="datetimeFigureOut">
               <a:rPr lang="en-US" smtClean="0"/>
-              <a:t>9/11/2024</a:t>
+              <a:t>9/16/2024</a:t>
             </a:fld>
             <a:endParaRPr lang="en-US"/>
           </a:p>
@@ -2821,7 +2821,7 @@
           <a:p>
             <a:fld id="{1B25386A-046F-4C2B-960D-805BEAFB062E}" type="datetimeFigureOut">
               <a:rPr lang="en-US" smtClean="0"/>
-              <a:t>9/11/2024</a:t>
+              <a:t>9/16/2024</a:t>
             </a:fld>
             <a:endParaRPr lang="en-US"/>
           </a:p>
@@ -3062,7 +3062,7 @@
           <a:p>
             <a:fld id="{1B25386A-046F-4C2B-960D-805BEAFB062E}" type="datetimeFigureOut">
               <a:rPr lang="en-US" smtClean="0"/>
-              <a:t>9/11/2024</a:t>
+              <a:t>9/16/2024</a:t>
             </a:fld>
             <a:endParaRPr lang="en-US"/>
           </a:p>
@@ -10221,6 +10221,15 @@
 </file>
 
 <file path=customXml/item1.xml><?xml version="1.0" encoding="utf-8"?>
+<?mso-contentType ?>
+<FormTemplates xmlns="http://schemas.microsoft.com/sharepoint/v3/contenttype/forms">
+  <Display>DocumentLibraryForm</Display>
+  <Edit>DocumentLibraryForm</Edit>
+  <New>DocumentLibraryForm</New>
+</FormTemplates>
+</file>
+
+<file path=customXml/item2.xml><?xml version="1.0" encoding="utf-8"?>
 <ct:contentTypeSchema xmlns:ct="http://schemas.microsoft.com/office/2006/metadata/contentType" xmlns:ma="http://schemas.microsoft.com/office/2006/metadata/properties/metaAttributes" ct:_="" ma:_="" ma:contentTypeName="Document" ma:contentTypeID="0x01010022F88B0CCF1BBA489747F146E6B5E06D" ma:contentTypeVersion="27" ma:contentTypeDescription="Create a new document." ma:contentTypeScope="" ma:versionID="219a338b8493fe042b1e07be57014336">
   <xsd:schema xmlns:xsd="http://www.w3.org/2001/XMLSchema" xmlns:xs="http://www.w3.org/2001/XMLSchema" xmlns:p="http://schemas.microsoft.com/office/2006/metadata/properties" xmlns:ns1="http://schemas.microsoft.com/sharepoint/v3" xmlns:ns2="569b343d-e775-480b-9b2b-6a6986deb9b0" xmlns:ns3="11245976-3b4d-4794-a754-317688483df2" xmlns:ns4="230e9df3-be65-4c73-a93b-d1236ebd677e" targetNamespace="http://schemas.microsoft.com/office/2006/metadata/properties" ma:root="true" ma:fieldsID="5063572a402c39a229534cae5511a78f" ns1:_="" ns2:_="" ns3:_="" ns4:_="">
     <xsd:import namespace="http://schemas.microsoft.com/sharepoint/v3"/>
@@ -10526,16 +10535,15 @@
 </ct:contentTypeSchema>
 </file>
 
-<file path=customXml/item2.xml><?xml version="1.0" encoding="utf-8"?>
-<?mso-contentType ?>
-<FormTemplates xmlns="http://schemas.microsoft.com/sharepoint/v3/contenttype/forms">
-  <Display>DocumentLibraryForm</Display>
-  <Edit>DocumentLibraryForm</Edit>
-  <New>DocumentLibraryForm</New>
-</FormTemplates>
+<file path=customXml/itemProps1.xml><?xml version="1.0" encoding="utf-8"?>
+<ds:datastoreItem xmlns:ds="http://schemas.openxmlformats.org/officeDocument/2006/customXml" ds:itemID="{F28FC4C6-E388-4672-A091-D255E0DD297D}">
+  <ds:schemaRefs>
+    <ds:schemaRef ds:uri="http://schemas.microsoft.com/sharepoint/v3/contenttype/forms"/>
+  </ds:schemaRefs>
+</ds:datastoreItem>
 </file>
 
-<file path=customXml/itemProps1.xml><?xml version="1.0" encoding="utf-8"?>
+<file path=customXml/itemProps2.xml><?xml version="1.0" encoding="utf-8"?>
 <ds:datastoreItem xmlns:ds="http://schemas.openxmlformats.org/officeDocument/2006/customXml" ds:itemID="{248186EC-794B-4B20-8A0C-5C516A85D994}">
   <ds:schemaRefs>
     <ds:schemaRef ds:uri="http://schemas.microsoft.com/office/2006/metadata/contentType"/>
@@ -10556,16 +10564,8 @@
 </ds:datastoreItem>
 </file>
 
-<file path=customXml/itemProps2.xml><?xml version="1.0" encoding="utf-8"?>
-<ds:datastoreItem xmlns:ds="http://schemas.openxmlformats.org/officeDocument/2006/customXml" ds:itemID="{F28FC4C6-E388-4672-A091-D255E0DD297D}">
-  <ds:schemaRefs>
-    <ds:schemaRef ds:uri="http://schemas.microsoft.com/sharepoint/v3/contenttype/forms"/>
-  </ds:schemaRefs>
-</ds:datastoreItem>
-</file>
-
 <file path=docMetadata/LabelInfo.xml><?xml version="1.0" encoding="utf-8"?>
 <clbl:labelList xmlns:clbl="http://schemas.microsoft.com/office/2020/mipLabelMetadata">
-  <clbl:label id="{1a19d03a-48bc-4359-8038-5b5f6d5847c3}" enabled="1" method="Standard" siteId="{72f988bf-86f1-41af-91ab-2d7cd011db47}" removed="0"/>
+  <clbl:label id="{87867195-f2b8-4ac2-b0b6-6bb73cb33afc}" enabled="1" method="Privileged" siteId="{72f988bf-86f1-41af-91ab-2d7cd011db47}" contentBits="0" removed="0"/>
 </clbl:labelList>
 </file>